--- a/week2/Interpretation t statistics model fit.pptx
+++ b/week2/Interpretation t statistics model fit.pptx
@@ -220,6 +220,10 @@
 </p:cmAuthorLst>
 </file>
 
+<file path=ppt/revisionInfo.xml><?xml version="1.0" encoding="utf-8"?>
+<p1510:revInfo xmlns:a="http://schemas.openxmlformats.org/drawingml/2006/main" xmlns:r="http://schemas.openxmlformats.org/officeDocument/2006/relationships" xmlns:p1510="http://schemas.microsoft.com/office/powerpoint/2015/10/main"/>
+</file>
+
 <file path=ppt/handoutMasters/handoutMaster1.xml><?xml version="1.0" encoding="utf-8"?>
 <p:handoutMaster xmlns:a="http://schemas.openxmlformats.org/drawingml/2006/main" xmlns:r="http://schemas.openxmlformats.org/officeDocument/2006/relationships" xmlns:p="http://schemas.openxmlformats.org/presentationml/2006/main">
   <p:cSld>
@@ -309,7 +313,7 @@
               <a:rPr lang="en-US" smtClean="0">
                 <a:latin typeface="Segoe UI" pitchFamily="34" charset="0"/>
               </a:rPr>
-              <a:t>6/20/2017 7:34 AM</a:t>
+              <a:t>6/22/2017 10:13 AM</a:t>
             </a:fld>
             <a:endParaRPr lang="en-US" dirty="0">
               <a:latin typeface="Segoe UI" pitchFamily="34" charset="0"/>
@@ -622,7 +626,7 @@
           <a:p>
             <a:fld id="{2DFDA5C7-BBAE-481E-8BF7-731156A2E2C1}" type="datetime8">
               <a:rPr lang="en-US" smtClean="0"/>
-              <a:t>6/20/2017 7:34 AM</a:t>
+              <a:t>6/21/2017 2:03 PM</a:t>
             </a:fld>
             <a:endParaRPr lang="en-US" dirty="0"/>
           </a:p>
@@ -1009,7 +1013,7 @@
           <a:p>
             <a:fld id="{2DFDA5C7-BBAE-481E-8BF7-731156A2E2C1}" type="datetime8">
               <a:rPr lang="en-US" smtClean="0"/>
-              <a:t>6/20/2017 7:34 AM</a:t>
+              <a:t>6/21/2017 2:03 PM</a:t>
             </a:fld>
             <a:endParaRPr lang="en-US" dirty="0"/>
           </a:p>
@@ -1167,7 +1171,7 @@
           <a:p>
             <a:fld id="{64DAA8B1-71E0-4ED8-9A80-C398012240B1}" type="datetime8">
               <a:rPr lang="en-US" smtClean="0"/>
-              <a:t>6/21/2017 5:03 AM</a:t>
+              <a:t>6/21/2017 2:03 PM</a:t>
             </a:fld>
             <a:endParaRPr lang="en-US" dirty="0"/>
           </a:p>
@@ -1374,7 +1378,7 @@
           <a:p>
             <a:fld id="{64DAA8B1-71E0-4ED8-9A80-C398012240B1}" type="datetime8">
               <a:rPr lang="en-US" smtClean="0"/>
-              <a:t>6/21/2017 4:43 AM</a:t>
+              <a:t>6/21/2017 2:03 PM</a:t>
             </a:fld>
             <a:endParaRPr lang="en-US" dirty="0"/>
           </a:p>
@@ -1581,7 +1585,7 @@
           <a:p>
             <a:fld id="{64DAA8B1-71E0-4ED8-9A80-C398012240B1}" type="datetime8">
               <a:rPr lang="en-US" smtClean="0"/>
-              <a:t>6/21/2017 4:43 AM</a:t>
+              <a:t>6/21/2017 2:03 PM</a:t>
             </a:fld>
             <a:endParaRPr lang="en-US" dirty="0"/>
           </a:p>
@@ -1788,7 +1792,7 @@
           <a:p>
             <a:fld id="{64DAA8B1-71E0-4ED8-9A80-C398012240B1}" type="datetime8">
               <a:rPr lang="en-US" smtClean="0"/>
-              <a:t>6/21/2017 5:00 AM</a:t>
+              <a:t>6/21/2017 2:03 PM</a:t>
             </a:fld>
             <a:endParaRPr lang="en-US" dirty="0"/>
           </a:p>
@@ -1995,7 +1999,7 @@
           <a:p>
             <a:fld id="{64DAA8B1-71E0-4ED8-9A80-C398012240B1}" type="datetime8">
               <a:rPr lang="en-US" smtClean="0"/>
-              <a:t>6/21/2017 4:40 AM</a:t>
+              <a:t>6/21/2017 2:03 PM</a:t>
             </a:fld>
             <a:endParaRPr lang="en-US" dirty="0"/>
           </a:p>
@@ -2202,7 +2206,7 @@
           <a:p>
             <a:fld id="{64DAA8B1-71E0-4ED8-9A80-C398012240B1}" type="datetime8">
               <a:rPr lang="en-US" smtClean="0"/>
-              <a:t>6/21/2017 4:40 AM</a:t>
+              <a:t>6/21/2017 2:03 PM</a:t>
             </a:fld>
             <a:endParaRPr lang="en-US" dirty="0"/>
           </a:p>
@@ -2409,7 +2413,7 @@
           <a:p>
             <a:fld id="{64DAA8B1-71E0-4ED8-9A80-C398012240B1}" type="datetime8">
               <a:rPr lang="en-US" smtClean="0"/>
-              <a:t>6/21/2017 4:40 AM</a:t>
+              <a:t>6/21/2017 2:03 PM</a:t>
             </a:fld>
             <a:endParaRPr lang="en-US" dirty="0"/>
           </a:p>
@@ -2616,7 +2620,7 @@
           <a:p>
             <a:fld id="{64DAA8B1-71E0-4ED8-9A80-C398012240B1}" type="datetime8">
               <a:rPr lang="en-US" smtClean="0"/>
-              <a:t>6/21/2017 5:02 AM</a:t>
+              <a:t>6/21/2017 2:03 PM</a:t>
             </a:fld>
             <a:endParaRPr lang="en-US" dirty="0"/>
           </a:p>
@@ -2823,7 +2827,7 @@
           <a:p>
             <a:fld id="{64DAA8B1-71E0-4ED8-9A80-C398012240B1}" type="datetime8">
               <a:rPr lang="en-US" smtClean="0"/>
-              <a:t>6/21/2017 5:13 AM</a:t>
+              <a:t>6/21/2017 2:03 PM</a:t>
             </a:fld>
             <a:endParaRPr lang="en-US" dirty="0"/>
           </a:p>
@@ -3030,7 +3034,7 @@
           <a:p>
             <a:fld id="{64DAA8B1-71E0-4ED8-9A80-C398012240B1}" type="datetime8">
               <a:rPr lang="en-US" smtClean="0"/>
-              <a:t>6/20/2017 7:34 AM</a:t>
+              <a:t>6/21/2017 2:03 PM</a:t>
             </a:fld>
             <a:endParaRPr lang="en-US" dirty="0"/>
           </a:p>
@@ -3237,7 +3241,7 @@
           <a:p>
             <a:fld id="{64DAA8B1-71E0-4ED8-9A80-C398012240B1}" type="datetime8">
               <a:rPr lang="en-US" smtClean="0"/>
-              <a:t>6/20/2017 7:34 AM</a:t>
+              <a:t>6/21/2017 2:03 PM</a:t>
             </a:fld>
             <a:endParaRPr lang="en-US" dirty="0"/>
           </a:p>
@@ -3444,7 +3448,7 @@
           <a:p>
             <a:fld id="{64DAA8B1-71E0-4ED8-9A80-C398012240B1}" type="datetime8">
               <a:rPr lang="en-US" smtClean="0"/>
-              <a:t>6/20/2017 7:34 AM</a:t>
+              <a:t>6/21/2017 2:03 PM</a:t>
             </a:fld>
             <a:endParaRPr lang="en-US" dirty="0"/>
           </a:p>
@@ -3651,7 +3655,7 @@
           <a:p>
             <a:fld id="{64DAA8B1-71E0-4ED8-9A80-C398012240B1}" type="datetime8">
               <a:rPr lang="en-US" smtClean="0"/>
-              <a:t>6/20/2017 7:34 AM</a:t>
+              <a:t>6/21/2017 2:03 PM</a:t>
             </a:fld>
             <a:endParaRPr lang="en-US" dirty="0"/>
           </a:p>
@@ -3858,7 +3862,7 @@
           <a:p>
             <a:fld id="{64DAA8B1-71E0-4ED8-9A80-C398012240B1}" type="datetime8">
               <a:rPr lang="en-US" smtClean="0"/>
-              <a:t>6/20/2017 7:34 AM</a:t>
+              <a:t>6/21/2017 2:03 PM</a:t>
             </a:fld>
             <a:endParaRPr lang="en-US" dirty="0"/>
           </a:p>
@@ -4065,7 +4069,7 @@
           <a:p>
             <a:fld id="{64DAA8B1-71E0-4ED8-9A80-C398012240B1}" type="datetime8">
               <a:rPr lang="en-US" smtClean="0"/>
-              <a:t>6/20/2017 7:34 AM</a:t>
+              <a:t>6/21/2017 2:03 PM</a:t>
             </a:fld>
             <a:endParaRPr lang="en-US" dirty="0"/>
           </a:p>
@@ -4272,7 +4276,7 @@
           <a:p>
             <a:fld id="{64DAA8B1-71E0-4ED8-9A80-C398012240B1}" type="datetime8">
               <a:rPr lang="en-US" smtClean="0"/>
-              <a:t>6/20/2017 7:34 AM</a:t>
+              <a:t>6/21/2017 2:03 PM</a:t>
             </a:fld>
             <a:endParaRPr lang="en-US" dirty="0"/>
           </a:p>
@@ -4479,7 +4483,7 @@
           <a:p>
             <a:fld id="{64DAA8B1-71E0-4ED8-9A80-C398012240B1}" type="datetime8">
               <a:rPr lang="en-US" smtClean="0"/>
-              <a:t>6/20/2017 7:34 AM</a:t>
+              <a:t>6/21/2017 2:03 PM</a:t>
             </a:fld>
             <a:endParaRPr lang="en-US" dirty="0"/>
           </a:p>
@@ -4686,7 +4690,7 @@
           <a:p>
             <a:fld id="{64DAA8B1-71E0-4ED8-9A80-C398012240B1}" type="datetime8">
               <a:rPr lang="en-US" smtClean="0"/>
-              <a:t>6/20/2017 7:34 AM</a:t>
+              <a:t>6/21/2017 2:03 PM</a:t>
             </a:fld>
             <a:endParaRPr lang="en-US" dirty="0"/>
           </a:p>
@@ -4893,7 +4897,7 @@
           <a:p>
             <a:fld id="{64DAA8B1-71E0-4ED8-9A80-C398012240B1}" type="datetime8">
               <a:rPr lang="en-US" smtClean="0"/>
-              <a:t>6/20/2017 7:34 AM</a:t>
+              <a:t>6/21/2017 2:03 PM</a:t>
             </a:fld>
             <a:endParaRPr lang="en-US" dirty="0"/>
           </a:p>
@@ -5100,7 +5104,7 @@
           <a:p>
             <a:fld id="{64DAA8B1-71E0-4ED8-9A80-C398012240B1}" type="datetime8">
               <a:rPr lang="en-US" smtClean="0"/>
-              <a:t>6/20/2017 7:34 AM</a:t>
+              <a:t>6/21/2017 2:03 PM</a:t>
             </a:fld>
             <a:endParaRPr lang="en-US" dirty="0"/>
           </a:p>
@@ -5307,7 +5311,7 @@
           <a:p>
             <a:fld id="{64DAA8B1-71E0-4ED8-9A80-C398012240B1}" type="datetime8">
               <a:rPr lang="en-US" smtClean="0"/>
-              <a:t>6/20/2017 7:34 AM</a:t>
+              <a:t>6/21/2017 2:03 PM</a:t>
             </a:fld>
             <a:endParaRPr lang="en-US" dirty="0"/>
           </a:p>
@@ -5514,7 +5518,7 @@
           <a:p>
             <a:fld id="{64DAA8B1-71E0-4ED8-9A80-C398012240B1}" type="datetime8">
               <a:rPr lang="en-US" smtClean="0"/>
-              <a:t>6/20/2017 7:34 AM</a:t>
+              <a:t>6/21/2017 2:03 PM</a:t>
             </a:fld>
             <a:endParaRPr lang="en-US" dirty="0"/>
           </a:p>
@@ -5721,7 +5725,7 @@
           <a:p>
             <a:fld id="{64DAA8B1-71E0-4ED8-9A80-C398012240B1}" type="datetime8">
               <a:rPr lang="en-US" smtClean="0"/>
-              <a:t>6/21/2017 4:43 AM</a:t>
+              <a:t>6/21/2017 2:03 PM</a:t>
             </a:fld>
             <a:endParaRPr lang="en-US" dirty="0"/>
           </a:p>
@@ -5928,7 +5932,7 @@
           <a:p>
             <a:fld id="{64DAA8B1-71E0-4ED8-9A80-C398012240B1}" type="datetime8">
               <a:rPr lang="en-US" smtClean="0"/>
-              <a:t>6/21/2017 5:11 AM</a:t>
+              <a:t>6/21/2017 2:03 PM</a:t>
             </a:fld>
             <a:endParaRPr lang="en-US" dirty="0"/>
           </a:p>
@@ -6135,7 +6139,7 @@
           <a:p>
             <a:fld id="{64DAA8B1-71E0-4ED8-9A80-C398012240B1}" type="datetime8">
               <a:rPr lang="en-US" smtClean="0"/>
-              <a:t>6/20/2017 7:34 AM</a:t>
+              <a:t>6/21/2017 2:03 PM</a:t>
             </a:fld>
             <a:endParaRPr lang="en-US" dirty="0"/>
           </a:p>
@@ -6342,7 +6346,7 @@
           <a:p>
             <a:fld id="{64DAA8B1-71E0-4ED8-9A80-C398012240B1}" type="datetime8">
               <a:rPr lang="en-US" smtClean="0"/>
-              <a:t>6/21/2017 4:14 AM</a:t>
+              <a:t>6/21/2017 2:03 PM</a:t>
             </a:fld>
             <a:endParaRPr lang="en-US" dirty="0"/>
           </a:p>
@@ -6549,7 +6553,7 @@
           <a:p>
             <a:fld id="{64DAA8B1-71E0-4ED8-9A80-C398012240B1}" type="datetime8">
               <a:rPr lang="en-US" smtClean="0"/>
-              <a:t>6/21/2017 4:29 AM</a:t>
+              <a:t>6/21/2017 2:03 PM</a:t>
             </a:fld>
             <a:endParaRPr lang="en-US" dirty="0"/>
           </a:p>
@@ -6756,7 +6760,7 @@
           <a:p>
             <a:fld id="{64DAA8B1-71E0-4ED8-9A80-C398012240B1}" type="datetime8">
               <a:rPr lang="en-US" smtClean="0"/>
-              <a:t>6/21/2017 4:32 AM</a:t>
+              <a:t>6/21/2017 2:03 PM</a:t>
             </a:fld>
             <a:endParaRPr lang="en-US" dirty="0"/>
           </a:p>
@@ -22498,8 +22502,8 @@
           </a:prstGeom>
         </p:spPr>
       </p:pic>
-      <mc:AlternateContent xmlns:mc="http://schemas.openxmlformats.org/markup-compatibility/2006">
-        <mc:Choice xmlns:a14="http://schemas.microsoft.com/office/drawing/2010/main" Requires="a14">
+      <mc:AlternateContent xmlns:mc="http://schemas.openxmlformats.org/markup-compatibility/2006" xmlns:a14="http://schemas.microsoft.com/office/drawing/2010/main">
+        <mc:Choice Requires="a14">
           <p:sp>
             <p:nvSpPr>
               <p:cNvPr id="10" name="Rectangle 9"/>
@@ -22521,6 +22525,7 @@
               </a:bodyPr>
               <a:lstStyle/>
               <a:p>
+                <a:pPr/>
                 <a14:m>
                   <m:oMathPara xmlns:m="http://schemas.openxmlformats.org/officeDocument/2006/math">
                     <m:oMathParaPr>
@@ -22579,7 +22584,7 @@
             </p:txBody>
           </p:sp>
         </mc:Choice>
-        <mc:Fallback>
+        <mc:Fallback xmlns="">
           <p:sp>
             <p:nvSpPr>
               <p:cNvPr id="10" name="Rectangle 9"/>
@@ -22618,8 +22623,8 @@
           </p:sp>
         </mc:Fallback>
       </mc:AlternateContent>
-      <mc:AlternateContent xmlns:mc="http://schemas.openxmlformats.org/markup-compatibility/2006">
-        <mc:Choice xmlns:a14="http://schemas.microsoft.com/office/drawing/2010/main" Requires="a14">
+      <mc:AlternateContent xmlns:mc="http://schemas.openxmlformats.org/markup-compatibility/2006" xmlns:a14="http://schemas.microsoft.com/office/drawing/2010/main">
+        <mc:Choice Requires="a14">
           <p:sp>
             <p:nvSpPr>
               <p:cNvPr id="11" name="Rectangle 10"/>
@@ -22641,6 +22646,7 @@
               </a:bodyPr>
               <a:lstStyle/>
               <a:p>
+                <a:pPr/>
                 <a14:m>
                   <m:oMathPara xmlns:m="http://schemas.openxmlformats.org/officeDocument/2006/math">
                     <m:oMathParaPr>
@@ -22699,7 +22705,7 @@
             </p:txBody>
           </p:sp>
         </mc:Choice>
-        <mc:Fallback>
+        <mc:Fallback xmlns="">
           <p:sp>
             <p:nvSpPr>
               <p:cNvPr id="11" name="Rectangle 10"/>
@@ -23387,7 +23393,7 @@
         </p:blipFill>
         <p:spPr>
           <a:xfrm>
-            <a:off x="5244390" y="1083793"/>
+            <a:off x="5263244" y="1083793"/>
             <a:ext cx="6165015" cy="5756286"/>
           </a:xfrm>
           <a:prstGeom prst="rect">
@@ -23459,8 +23465,8 @@
           </a:p>
         </p:txBody>
       </p:sp>
-      <mc:AlternateContent xmlns:mc="http://schemas.openxmlformats.org/markup-compatibility/2006">
-        <mc:Choice xmlns:a14="http://schemas.microsoft.com/office/drawing/2010/main" Requires="a14">
+      <mc:AlternateContent xmlns:mc="http://schemas.openxmlformats.org/markup-compatibility/2006" xmlns:a14="http://schemas.microsoft.com/office/drawing/2010/main">
+        <mc:Choice Requires="a14">
           <p:sp>
             <p:nvSpPr>
               <p:cNvPr id="3" name="Text Placeholder 2"/>
@@ -23706,7 +23712,7 @@
             </p:txBody>
           </p:sp>
         </mc:Choice>
-        <mc:Fallback>
+        <mc:Fallback xmlns="">
           <p:sp>
             <p:nvSpPr>
               <p:cNvPr id="3" name="Text Placeholder 2"/>
@@ -23808,8 +23814,8 @@
           </a:p>
         </p:txBody>
       </p:sp>
-      <mc:AlternateContent xmlns:mc="http://schemas.openxmlformats.org/markup-compatibility/2006">
-        <mc:Choice xmlns:a14="http://schemas.microsoft.com/office/drawing/2010/main" Requires="a14">
+      <mc:AlternateContent xmlns:mc="http://schemas.openxmlformats.org/markup-compatibility/2006" xmlns:a14="http://schemas.microsoft.com/office/drawing/2010/main">
+        <mc:Choice Requires="a14">
           <p:sp>
             <p:nvSpPr>
               <p:cNvPr id="3" name="Text Placeholder 2"/>
@@ -24055,7 +24061,7 @@
             </p:txBody>
           </p:sp>
         </mc:Choice>
-        <mc:Fallback>
+        <mc:Fallback xmlns="">
           <p:sp>
             <p:nvSpPr>
               <p:cNvPr id="3" name="Text Placeholder 2"/>
@@ -29497,21 +29503,8 @@
                   <a:schemeClr val="tx1"/>
                 </a:solidFill>
               </a:rPr>
-              <a:t>NOTE 2: </a:t>
-            </a:r>
-            <a:r>
-              <a:rPr lang="en-US" sz="2400" dirty="0">
-                <a:solidFill>
-                  <a:schemeClr val="tx1"/>
-                </a:solidFill>
-              </a:rPr>
-              <a:t>Proxy isn’t the perfect thing to measure wealth (average assets of HHs)</a:t>
-            </a:r>
-            <a:endParaRPr lang="en-US" sz="2400" dirty="0">
-              <a:solidFill>
-                <a:schemeClr val="tx1"/>
-              </a:solidFill>
-            </a:endParaRPr>
+              <a:t>NOTE 2: Proxy isn’t the perfect thing to measure wealth (average assets of HHs)</a:t>
+            </a:r>
           </a:p>
         </p:txBody>
       </p:sp>
@@ -29874,8 +29867,8 @@
           </a:p>
         </p:txBody>
       </p:sp>
-      <mc:AlternateContent xmlns:mc="http://schemas.openxmlformats.org/markup-compatibility/2006">
-        <mc:Choice xmlns:a14="http://schemas.microsoft.com/office/drawing/2010/main" Requires="a14">
+      <mc:AlternateContent xmlns:mc="http://schemas.openxmlformats.org/markup-compatibility/2006" xmlns:a14="http://schemas.microsoft.com/office/drawing/2010/main">
+        <mc:Choice Requires="a14">
           <p:sp>
             <p:nvSpPr>
               <p:cNvPr id="5" name="TextBox 4"/>
@@ -30731,7 +30724,7 @@
             </p:txBody>
           </p:sp>
         </mc:Choice>
-        <mc:Fallback>
+        <mc:Fallback xmlns="">
           <p:sp>
             <p:nvSpPr>
               <p:cNvPr id="5" name="TextBox 4"/>
@@ -30874,8 +30867,8 @@
           </a:fontRef>
         </p:style>
       </p:cxnSp>
-      <mc:AlternateContent xmlns:mc="http://schemas.openxmlformats.org/markup-compatibility/2006">
-        <mc:Choice xmlns:a14="http://schemas.microsoft.com/office/drawing/2010/main" Requires="a14">
+      <mc:AlternateContent xmlns:mc="http://schemas.openxmlformats.org/markup-compatibility/2006" xmlns:a14="http://schemas.microsoft.com/office/drawing/2010/main">
+        <mc:Choice Requires="a14">
           <p:sp>
             <p:nvSpPr>
               <p:cNvPr id="15" name="TextBox 14"/>
@@ -30983,7 +30976,7 @@
             </p:txBody>
           </p:sp>
         </mc:Choice>
-        <mc:Fallback>
+        <mc:Fallback xmlns="">
           <p:sp>
             <p:nvSpPr>
               <p:cNvPr id="15" name="TextBox 14"/>
@@ -31258,8 +31251,8 @@
           </a:prstGeom>
         </p:spPr>
       </p:pic>
-      <mc:AlternateContent xmlns:mc="http://schemas.openxmlformats.org/markup-compatibility/2006">
-        <mc:Choice xmlns:a14="http://schemas.microsoft.com/office/drawing/2010/main" Requires="a14">
+      <mc:AlternateContent xmlns:mc="http://schemas.openxmlformats.org/markup-compatibility/2006" xmlns:a14="http://schemas.microsoft.com/office/drawing/2010/main">
+        <mc:Choice Requires="a14">
           <p:sp>
             <p:nvSpPr>
               <p:cNvPr id="10" name="Rectangle 9"/>
@@ -31281,6 +31274,7 @@
               </a:bodyPr>
               <a:lstStyle/>
               <a:p>
+                <a:pPr/>
                 <a14:m>
                   <m:oMathPara xmlns:m="http://schemas.openxmlformats.org/officeDocument/2006/math">
                     <m:oMathParaPr>
@@ -31339,7 +31333,7 @@
             </p:txBody>
           </p:sp>
         </mc:Choice>
-        <mc:Fallback>
+        <mc:Fallback xmlns="">
           <p:sp>
             <p:nvSpPr>
               <p:cNvPr id="10" name="Rectangle 9"/>
@@ -31378,8 +31372,8 @@
           </p:sp>
         </mc:Fallback>
       </mc:AlternateContent>
-      <mc:AlternateContent xmlns:mc="http://schemas.openxmlformats.org/markup-compatibility/2006">
-        <mc:Choice xmlns:a14="http://schemas.microsoft.com/office/drawing/2010/main" Requires="a14">
+      <mc:AlternateContent xmlns:mc="http://schemas.openxmlformats.org/markup-compatibility/2006" xmlns:a14="http://schemas.microsoft.com/office/drawing/2010/main">
+        <mc:Choice Requires="a14">
           <p:sp>
             <p:nvSpPr>
               <p:cNvPr id="11" name="Rectangle 10"/>
@@ -31401,6 +31395,7 @@
               </a:bodyPr>
               <a:lstStyle/>
               <a:p>
+                <a:pPr/>
                 <a14:m>
                   <m:oMathPara xmlns:m="http://schemas.openxmlformats.org/officeDocument/2006/math">
                     <m:oMathParaPr>
@@ -31459,7 +31454,7 @@
             </p:txBody>
           </p:sp>
         </mc:Choice>
-        <mc:Fallback>
+        <mc:Fallback xmlns="">
           <p:sp>
             <p:nvSpPr>
               <p:cNvPr id="11" name="Rectangle 10"/>
@@ -31498,8 +31493,8 @@
           </p:sp>
         </mc:Fallback>
       </mc:AlternateContent>
-      <mc:AlternateContent xmlns:mc="http://schemas.openxmlformats.org/markup-compatibility/2006">
-        <mc:Choice xmlns:a14="http://schemas.microsoft.com/office/drawing/2010/main" Requires="a14">
+      <mc:AlternateContent xmlns:mc="http://schemas.openxmlformats.org/markup-compatibility/2006" xmlns:a14="http://schemas.microsoft.com/office/drawing/2010/main">
+        <mc:Choice Requires="a14">
           <p:sp>
             <p:nvSpPr>
               <p:cNvPr id="12" name="Rectangle 11"/>
@@ -31521,6 +31516,7 @@
               </a:bodyPr>
               <a:lstStyle/>
               <a:p>
+                <a:pPr/>
                 <a14:m>
                   <m:oMathPara xmlns:m="http://schemas.openxmlformats.org/officeDocument/2006/math">
                     <m:oMathParaPr>
@@ -31578,6 +31574,7 @@
                 </a:endParaRPr>
               </a:p>
               <a:p>
+                <a:pPr/>
                 <a14:m>
                   <m:oMathPara xmlns:m="http://schemas.openxmlformats.org/officeDocument/2006/math">
                     <m:oMathParaPr>
@@ -31635,6 +31632,7 @@
                 </a:endParaRPr>
               </a:p>
               <a:p>
+                <a:pPr/>
                 <a14:m>
                   <m:oMathPara xmlns:m="http://schemas.openxmlformats.org/officeDocument/2006/math">
                     <m:oMathParaPr>
@@ -31710,13 +31708,13 @@
                   <m:oMath xmlns:m="http://schemas.openxmlformats.org/officeDocument/2006/math">
                     <m:r>
                       <a:rPr lang="en-US" i="1">
-                        <a:latin typeface="+mj-lt"/>
+                        <a:latin typeface="Cambria Math" panose="02040503050406030204" pitchFamily="18" charset="0"/>
                       </a:rPr>
                       <m:t>𝛽</m:t>
                     </m:r>
                     <m:r>
                       <a:rPr lang="en-US" i="1">
-                        <a:latin typeface="+mj-lt"/>
+                        <a:latin typeface="Cambria Math" panose="02040503050406030204" pitchFamily="18" charset="0"/>
                       </a:rPr>
                       <m:t>=55</m:t>
                     </m:r>
@@ -31758,7 +31756,7 @@
             </p:txBody>
           </p:sp>
         </mc:Choice>
-        <mc:Fallback>
+        <mc:Fallback xmlns="">
           <p:sp>
             <p:nvSpPr>
               <p:cNvPr id="12" name="Rectangle 11"/>
@@ -31797,8 +31795,8 @@
           </p:sp>
         </mc:Fallback>
       </mc:AlternateContent>
-      <mc:AlternateContent xmlns:mc="http://schemas.openxmlformats.org/markup-compatibility/2006">
-        <mc:Choice xmlns:a14="http://schemas.microsoft.com/office/drawing/2010/main" Requires="a14">
+      <mc:AlternateContent xmlns:mc="http://schemas.openxmlformats.org/markup-compatibility/2006" xmlns:a14="http://schemas.microsoft.com/office/drawing/2010/main">
+        <mc:Choice Requires="a14">
           <p:sp>
             <p:nvSpPr>
               <p:cNvPr id="16" name="Rectangle 15"/>
@@ -31820,6 +31818,7 @@
               </a:bodyPr>
               <a:lstStyle/>
               <a:p>
+                <a:pPr/>
                 <a14:m>
                   <m:oMathPara xmlns:m="http://schemas.openxmlformats.org/officeDocument/2006/math">
                     <m:oMathParaPr>
@@ -31877,6 +31876,7 @@
                 </a:endParaRPr>
               </a:p>
               <a:p>
+                <a:pPr/>
                 <a14:m>
                   <m:oMathPara xmlns:m="http://schemas.openxmlformats.org/officeDocument/2006/math">
                     <m:oMathParaPr>
@@ -31934,6 +31934,7 @@
                 </a:endParaRPr>
               </a:p>
               <a:p>
+                <a:pPr/>
                 <a14:m>
                   <m:oMathPara xmlns:m="http://schemas.openxmlformats.org/officeDocument/2006/math">
                     <m:oMathParaPr>
@@ -32010,13 +32011,13 @@
                   <m:oMath xmlns:m="http://schemas.openxmlformats.org/officeDocument/2006/math">
                     <m:r>
                       <a:rPr lang="en-US" i="1">
-                        <a:latin typeface="+mj-lt"/>
+                        <a:latin typeface="Cambria Math" panose="02040503050406030204" pitchFamily="18" charset="0"/>
                       </a:rPr>
                       <m:t>𝛽</m:t>
                     </m:r>
                     <m:r>
                       <a:rPr lang="en-US" i="1">
-                        <a:latin typeface="+mj-lt"/>
+                        <a:latin typeface="Cambria Math" panose="02040503050406030204" pitchFamily="18" charset="0"/>
                       </a:rPr>
                       <m:t>=</m:t>
                     </m:r>
@@ -32058,7 +32059,7 @@
             </p:txBody>
           </p:sp>
         </mc:Choice>
-        <mc:Fallback>
+        <mc:Fallback xmlns="">
           <p:sp>
             <p:nvSpPr>
               <p:cNvPr id="16" name="Rectangle 15"/>
@@ -33285,18 +33286,18 @@
 </file>
 
 <file path=customXml/item1.xml><?xml version="1.0" encoding="utf-8"?>
-<p:properties xmlns:p="http://schemas.microsoft.com/office/2006/metadata/properties" xmlns:xsi="http://www.w3.org/2001/XMLSchema-instance" xmlns:pc="http://schemas.microsoft.com/office/infopath/2007/PartnerControls">
-  <documentManagement/>
-</p:properties>
-</file>
-
-<file path=customXml/item2.xml><?xml version="1.0" encoding="utf-8"?>
 <?mso-contentType ?>
 <FormTemplates xmlns="http://schemas.microsoft.com/sharepoint/v3/contenttype/forms">
   <Display>DocumentLibraryForm</Display>
   <Edit>DocumentLibraryForm</Edit>
   <New>DocumentLibraryForm</New>
 </FormTemplates>
+</file>
+
+<file path=customXml/item2.xml><?xml version="1.0" encoding="utf-8"?>
+<p:properties xmlns:p="http://schemas.microsoft.com/office/2006/metadata/properties" xmlns:xsi="http://www.w3.org/2001/XMLSchema-instance" xmlns:pc="http://schemas.microsoft.com/office/infopath/2007/PartnerControls">
+  <documentManagement/>
+</p:properties>
 </file>
 
 <file path=customXml/item3.xml><?xml version="1.0" encoding="utf-8"?>
@@ -33440,25 +33441,25 @@
 </file>
 
 <file path=customXml/itemProps1.xml><?xml version="1.0" encoding="utf-8"?>
-<ds:datastoreItem xmlns:ds="http://schemas.openxmlformats.org/officeDocument/2006/customXml" ds:itemID="{F990F116-B58F-4255-B05B-DA3808E0E5C6}">
+<ds:datastoreItem xmlns:ds="http://schemas.openxmlformats.org/officeDocument/2006/customXml" ds:itemID="{758FDAC0-319D-4A54-8D8E-1D42CB1F8004}">
   <ds:schemaRefs>
-    <ds:schemaRef ds:uri="http://purl.org/dc/terms/"/>
-    <ds:schemaRef ds:uri="http://schemas.openxmlformats.org/package/2006/metadata/core-properties"/>
-    <ds:schemaRef ds:uri="f760ca42-6bc8-4f0c-81d0-ac243bc76498"/>
-    <ds:schemaRef ds:uri="http://schemas.microsoft.com/office/2006/documentManagement/types"/>
-    <ds:schemaRef ds:uri="http://schemas.microsoft.com/office/infopath/2007/PartnerControls"/>
-    <ds:schemaRef ds:uri="http://purl.org/dc/elements/1.1/"/>
-    <ds:schemaRef ds:uri="http://schemas.microsoft.com/office/2006/metadata/properties"/>
-    <ds:schemaRef ds:uri="http://www.w3.org/XML/1998/namespace"/>
-    <ds:schemaRef ds:uri="http://purl.org/dc/dcmitype/"/>
+    <ds:schemaRef ds:uri="http://schemas.microsoft.com/sharepoint/v3/contenttype/forms"/>
   </ds:schemaRefs>
 </ds:datastoreItem>
 </file>
 
 <file path=customXml/itemProps2.xml><?xml version="1.0" encoding="utf-8"?>
-<ds:datastoreItem xmlns:ds="http://schemas.openxmlformats.org/officeDocument/2006/customXml" ds:itemID="{758FDAC0-319D-4A54-8D8E-1D42CB1F8004}">
+<ds:datastoreItem xmlns:ds="http://schemas.openxmlformats.org/officeDocument/2006/customXml" ds:itemID="{F990F116-B58F-4255-B05B-DA3808E0E5C6}">
   <ds:schemaRefs>
-    <ds:schemaRef ds:uri="http://schemas.microsoft.com/sharepoint/v3/contenttype/forms"/>
+    <ds:schemaRef ds:uri="http://purl.org/dc/terms/"/>
+    <ds:schemaRef ds:uri="http://schemas.microsoft.com/office/2006/documentManagement/types"/>
+    <ds:schemaRef ds:uri="f760ca42-6bc8-4f0c-81d0-ac243bc76498"/>
+    <ds:schemaRef ds:uri="http://purl.org/dc/dcmitype/"/>
+    <ds:schemaRef ds:uri="http://schemas.microsoft.com/office/infopath/2007/PartnerControls"/>
+    <ds:schemaRef ds:uri="http://purl.org/dc/elements/1.1/"/>
+    <ds:schemaRef ds:uri="http://schemas.microsoft.com/office/2006/metadata/properties"/>
+    <ds:schemaRef ds:uri="http://schemas.openxmlformats.org/package/2006/metadata/core-properties"/>
+    <ds:schemaRef ds:uri="http://www.w3.org/XML/1998/namespace"/>
   </ds:schemaRefs>
 </ds:datastoreItem>
 </file>
